--- a/djangoISSSTE/static/ppt/ppt-generados/avances_por_periodo_1.pptx
+++ b/djangoISSSTE/static/ppt/ppt-generados/avances_por_periodo_1.pptx
@@ -579,7 +579,7 @@
           <a:p>
             <a:fld id="{02329761-4139-EC4D-8014-1F5D651A2AAB}" type="datetimeFigureOut">
               <a:rPr lang="es-ES_tradnl" smtClean="0"/>
-              <a:t>14/05/2016</a:t>
+              <a:t>17/05/2016</a:t>
             </a:fld>
             <a:endParaRPr lang="es-ES_tradnl"/>
           </a:p>
@@ -775,7 +775,7 @@
           <a:p>
             <a:fld id="{02329761-4139-EC4D-8014-1F5D651A2AAB}" type="datetimeFigureOut">
               <a:rPr lang="es-ES_tradnl" smtClean="0"/>
-              <a:t>14/05/2016</a:t>
+              <a:t>17/05/2016</a:t>
             </a:fld>
             <a:endParaRPr lang="es-ES_tradnl"/>
           </a:p>
@@ -1339,7 +1339,7 @@
           <a:p>
             <a:fld id="{02329761-4139-EC4D-8014-1F5D651A2AAB}" type="datetimeFigureOut">
               <a:rPr lang="es-ES_tradnl" smtClean="0"/>
-              <a:t>14/05/2016</a:t>
+              <a:t>17/05/2016</a:t>
             </a:fld>
             <a:endParaRPr lang="es-ES_tradnl"/>
           </a:p>
@@ -1587,7 +1587,7 @@
           <a:p>
             <a:fld id="{02329761-4139-EC4D-8014-1F5D651A2AAB}" type="datetimeFigureOut">
               <a:rPr lang="es-ES_tradnl" smtClean="0"/>
-              <a:t>14/05/2016</a:t>
+              <a:t>17/05/2016</a:t>
             </a:fld>
             <a:endParaRPr lang="es-ES_tradnl"/>
           </a:p>
@@ -1970,7 +1970,7 @@
           <a:p>
             <a:fld id="{02329761-4139-EC4D-8014-1F5D651A2AAB}" type="datetimeFigureOut">
               <a:rPr lang="es-ES_tradnl" smtClean="0"/>
-              <a:t>14/05/2016</a:t>
+              <a:t>17/05/2016</a:t>
             </a:fld>
             <a:endParaRPr lang="es-ES_tradnl"/>
           </a:p>
@@ -2104,7 +2104,7 @@
           <a:p>
             <a:fld id="{02329761-4139-EC4D-8014-1F5D651A2AAB}" type="datetimeFigureOut">
               <a:rPr lang="es-ES_tradnl" smtClean="0"/>
-              <a:t>14/05/2016</a:t>
+              <a:t>17/05/2016</a:t>
             </a:fld>
             <a:endParaRPr lang="es-ES_tradnl"/>
           </a:p>
@@ -2215,7 +2215,7 @@
           <a:p>
             <a:fld id="{02329761-4139-EC4D-8014-1F5D651A2AAB}" type="datetimeFigureOut">
               <a:rPr lang="es-ES_tradnl" smtClean="0"/>
-              <a:t>14/05/2016</a:t>
+              <a:t>17/05/2016</a:t>
             </a:fld>
             <a:endParaRPr lang="es-ES_tradnl"/>
           </a:p>
@@ -2508,7 +2508,7 @@
           <a:p>
             <a:fld id="{02329761-4139-EC4D-8014-1F5D651A2AAB}" type="datetimeFigureOut">
               <a:rPr lang="es-ES_tradnl" smtClean="0"/>
-              <a:t>14/05/2016</a:t>
+              <a:t>17/05/2016</a:t>
             </a:fld>
             <a:endParaRPr lang="es-ES_tradnl"/>
           </a:p>
@@ -2777,7 +2777,7 @@
           <a:p>
             <a:fld id="{02329761-4139-EC4D-8014-1F5D651A2AAB}" type="datetimeFigureOut">
               <a:rPr lang="es-ES_tradnl" smtClean="0"/>
-              <a:t>14/05/2016</a:t>
+              <a:t>17/05/2016</a:t>
             </a:fld>
             <a:endParaRPr lang="es-ES_tradnl"/>
           </a:p>
@@ -3583,14 +3583,14 @@
           <p:nvPr>
             <p:extLst>
               <p:ext uri="{D42A27DB-BD31-4B8C-83A1-F6EECF244321}">
-                <p14:modId xmlns:p14="http://schemas.microsoft.com/office/powerpoint/2010/main" val="1249634148"/>
+                <p14:modId xmlns:p14="http://schemas.microsoft.com/office/powerpoint/2010/main" val="3013309489"/>
               </p:ext>
             </p:extLst>
           </p:nvPr>
         </p:nvGraphicFramePr>
         <p:xfrm>
-          <a:off x="3285826" y="1585257"/>
-          <a:ext cx="6096000" cy="4200492"/>
+          <a:off x="1960880" y="1585257"/>
+          <a:ext cx="8218819" cy="4200492"/>
         </p:xfrm>
         <a:graphic>
           <a:graphicData uri="http://schemas.openxmlformats.org/drawingml/2006/table">
@@ -3599,9 +3599,10 @@
                 <a:tableStyleId>{2D5ABB26-0587-4C30-8999-92F81FD0307C}</a:tableStyleId>
               </a:tblPr>
               <a:tblGrid>
-                <a:gridCol w="2228603"/>
-                <a:gridCol w="1835397"/>
-                <a:gridCol w="2032000"/>
+                <a:gridCol w="2253504"/>
+                <a:gridCol w="2419681"/>
+                <a:gridCol w="1996751"/>
+                <a:gridCol w="1548883"/>
               </a:tblGrid>
               <a:tr h="282683">
                 <a:tc>
@@ -3777,6 +3778,75 @@
                       <a:headEnd type="none" w="med" len="med"/>
                       <a:tailEnd type="none" w="med" len="med"/>
                     </a:lnL>
+                    <a:lnR w="38100" cap="flat" cmpd="sng" algn="ctr">
+                      <a:solidFill>
+                        <a:schemeClr val="bg1"/>
+                      </a:solidFill>
+                      <a:prstDash val="solid"/>
+                      <a:round/>
+                      <a:headEnd type="none" w="med" len="med"/>
+                      <a:tailEnd type="none" w="med" len="med"/>
+                    </a:lnR>
+                    <a:lnT>
+                      <a:noFill/>
+                    </a:lnT>
+                    <a:lnB w="3175" cap="flat" cmpd="sng" algn="ctr">
+                      <a:solidFill>
+                        <a:srgbClr val="008040"/>
+                      </a:solidFill>
+                      <a:prstDash val="solid"/>
+                      <a:round/>
+                      <a:headEnd type="none" w="med" len="med"/>
+                      <a:tailEnd type="none" w="med" len="med"/>
+                    </a:lnB>
+                    <a:lnTlToBr w="12700" cmpd="sng">
+                      <a:noFill/>
+                      <a:prstDash val="solid"/>
+                    </a:lnTlToBr>
+                    <a:lnBlToTr w="12700" cmpd="sng">
+                      <a:noFill/>
+                      <a:prstDash val="solid"/>
+                    </a:lnBlToTr>
+                    <a:noFill/>
+                  </a:tcPr>
+                </a:tc>
+                <a:tc>
+                  <a:txBody>
+                    <a:bodyPr/>
+                    <a:lstStyle/>
+                    <a:p>
+                      <a:pPr algn="ctr"/>
+                      <a:r>
+                        <a:rPr lang="es-MX" sz="1400" b="1" dirty="0" smtClean="0">
+                          <a:solidFill>
+                            <a:schemeClr val="accent6">
+                              <a:lumMod val="75000"/>
+                            </a:schemeClr>
+                          </a:solidFill>
+                          <a:latin typeface="Arial Narrow" panose="020B0606020202030204" pitchFamily="34" charset="0"/>
+                        </a:rPr>
+                        <a:t>Porcentaje(%)</a:t>
+                      </a:r>
+                      <a:endParaRPr lang="es-MX" sz="1400" b="1" dirty="0">
+                        <a:solidFill>
+                          <a:schemeClr val="accent6">
+                            <a:lumMod val="75000"/>
+                          </a:schemeClr>
+                        </a:solidFill>
+                        <a:latin typeface="Arial Narrow" panose="020B0606020202030204" pitchFamily="34" charset="0"/>
+                      </a:endParaRPr>
+                    </a:p>
+                  </a:txBody>
+                  <a:tcPr>
+                    <a:lnL w="38100" cap="flat" cmpd="sng" algn="ctr">
+                      <a:solidFill>
+                        <a:schemeClr val="bg1"/>
+                      </a:solidFill>
+                      <a:prstDash val="solid"/>
+                      <a:round/>
+                      <a:headEnd type="none" w="med" len="med"/>
+                      <a:tailEnd type="none" w="med" len="med"/>
+                    </a:lnL>
                     <a:lnR w="6350" cap="flat" cmpd="sng" algn="ctr">
                       <a:noFill/>
                       <a:prstDash val="solid"/>
@@ -3814,6 +3884,14 @@
                     <a:bodyPr/>
                     <a:lstStyle/>
                     <a:p>
+                      <a:pPr>
+                        <a:defRPr sz="1200">
+                          <a:solidFill>
+                            <a:srgbClr val="FF7F50"/>
+                          </a:solidFill>
+                          <a:latin typeface="Arial"/>
+                        </a:defRPr>
+                      </a:pPr>
                       <a:r>
                         <a:t>2012</a:t>
                       </a:r>
@@ -4005,6 +4083,98 @@
                       <a:headEnd type="none" w="med" len="med"/>
                       <a:tailEnd type="none" w="med" len="med"/>
                     </a:lnL>
+                    <a:lnR w="38100" cap="flat" cmpd="sng" algn="ctr">
+                      <a:solidFill>
+                        <a:schemeClr val="bg1"/>
+                      </a:solidFill>
+                      <a:prstDash val="solid"/>
+                      <a:round/>
+                      <a:headEnd type="none" w="med" len="med"/>
+                      <a:tailEnd type="none" w="med" len="med"/>
+                    </a:lnR>
+                    <a:lnT w="3175" cap="flat" cmpd="sng" algn="ctr">
+                      <a:solidFill>
+                        <a:srgbClr val="008040"/>
+                      </a:solidFill>
+                      <a:prstDash val="solid"/>
+                      <a:round/>
+                      <a:headEnd type="none" w="med" len="med"/>
+                      <a:tailEnd type="none" w="med" len="med"/>
+                    </a:lnT>
+                    <a:lnB w="6350" cap="flat" cmpd="sng" algn="ctr">
+                      <a:solidFill>
+                        <a:schemeClr val="bg1">
+                          <a:lumMod val="75000"/>
+                        </a:schemeClr>
+                      </a:solidFill>
+                      <a:prstDash val="solid"/>
+                      <a:round/>
+                      <a:headEnd type="none" w="med" len="med"/>
+                      <a:tailEnd type="none" w="med" len="med"/>
+                    </a:lnB>
+                    <a:lnTlToBr w="12700" cmpd="sng">
+                      <a:noFill/>
+                      <a:prstDash val="solid"/>
+                    </a:lnTlToBr>
+                    <a:lnBlToTr w="12700" cmpd="sng">
+                      <a:noFill/>
+                      <a:prstDash val="solid"/>
+                    </a:lnBlToTr>
+                  </a:tcPr>
+                </a:tc>
+                <a:tc>
+                  <a:txBody>
+                    <a:bodyPr/>
+                    <a:lstStyle/>
+                    <a:p>
+                      <a:pPr marL="0" marR="0" indent="0" algn="ctr" defTabSz="457200" rtl="0" eaLnBrk="1" fontAlgn="auto" latinLnBrk="0" hangingPunct="1">
+                        <a:lnSpc>
+                          <a:spcPct val="100000"/>
+                        </a:lnSpc>
+                        <a:spcBef>
+                          <a:spcPts val="0"/>
+                        </a:spcBef>
+                        <a:spcAft>
+                          <a:spcPts val="0"/>
+                        </a:spcAft>
+                        <a:buClrTx/>
+                        <a:buSzTx/>
+                        <a:buFontTx/>
+                        <a:buNone/>
+                        <a:tabLst/>
+                        <a:defRPr sz="1000">
+                          <a:solidFill>
+                            <a:srgbClr val="0B0B0B"/>
+                          </a:solidFill>
+                          <a:latin typeface="Arial"/>
+                        </a:defRPr>
+                      </a:pPr>
+                      <a:r>
+                        <a:t>0.00</a:t>
+                      </a:r>
+                      <a:endParaRPr lang="es-MX" sz="1400" kern="1200" dirty="0">
+                        <a:solidFill>
+                          <a:schemeClr val="tx1">
+                            <a:lumMod val="65000"/>
+                            <a:lumOff val="35000"/>
+                          </a:schemeClr>
+                        </a:solidFill>
+                        <a:latin typeface="Arial Narrow" panose="020B0606020202030204" pitchFamily="34" charset="0"/>
+                        <a:ea typeface="+mn-ea"/>
+                        <a:cs typeface="+mn-cs"/>
+                      </a:endParaRPr>
+                    </a:p>
+                  </a:txBody>
+                  <a:tcPr marL="9525" marR="9525" marT="9525" marB="0" anchor="ctr">
+                    <a:lnL w="38100" cap="flat" cmpd="sng" algn="ctr">
+                      <a:solidFill>
+                        <a:schemeClr val="bg1"/>
+                      </a:solidFill>
+                      <a:prstDash val="solid"/>
+                      <a:round/>
+                      <a:headEnd type="none" w="med" len="med"/>
+                      <a:tailEnd type="none" w="med" len="med"/>
+                    </a:lnL>
                     <a:lnR w="6350" cap="flat" cmpd="sng" algn="ctr">
                       <a:noFill/>
                       <a:prstDash val="solid"/>
@@ -4049,6 +4219,14 @@
                     <a:bodyPr/>
                     <a:lstStyle/>
                     <a:p>
+                      <a:pPr>
+                        <a:defRPr sz="1200">
+                          <a:solidFill>
+                            <a:srgbClr val="FF7F50"/>
+                          </a:solidFill>
+                          <a:latin typeface="Arial"/>
+                        </a:defRPr>
+                      </a:pPr>
                       <a:r>
                         <a:t>2013</a:t>
                       </a:r>
@@ -4245,6 +4423,101 @@
                       <a:headEnd type="none" w="med" len="med"/>
                       <a:tailEnd type="none" w="med" len="med"/>
                     </a:lnL>
+                    <a:lnR w="38100" cap="flat" cmpd="sng" algn="ctr">
+                      <a:solidFill>
+                        <a:schemeClr val="bg1"/>
+                      </a:solidFill>
+                      <a:prstDash val="solid"/>
+                      <a:round/>
+                      <a:headEnd type="none" w="med" len="med"/>
+                      <a:tailEnd type="none" w="med" len="med"/>
+                    </a:lnR>
+                    <a:lnT w="6350" cap="flat" cmpd="sng" algn="ctr">
+                      <a:solidFill>
+                        <a:schemeClr val="bg1">
+                          <a:lumMod val="75000"/>
+                        </a:schemeClr>
+                      </a:solidFill>
+                      <a:prstDash val="solid"/>
+                      <a:round/>
+                      <a:headEnd type="none" w="med" len="med"/>
+                      <a:tailEnd type="none" w="med" len="med"/>
+                    </a:lnT>
+                    <a:lnB w="6350" cap="flat" cmpd="sng" algn="ctr">
+                      <a:solidFill>
+                        <a:schemeClr val="bg1">
+                          <a:lumMod val="75000"/>
+                        </a:schemeClr>
+                      </a:solidFill>
+                      <a:prstDash val="solid"/>
+                      <a:round/>
+                      <a:headEnd type="none" w="med" len="med"/>
+                      <a:tailEnd type="none" w="med" len="med"/>
+                    </a:lnB>
+                    <a:lnTlToBr w="12700" cmpd="sng">
+                      <a:noFill/>
+                      <a:prstDash val="solid"/>
+                    </a:lnTlToBr>
+                    <a:lnBlToTr w="12700" cmpd="sng">
+                      <a:noFill/>
+                      <a:prstDash val="solid"/>
+                    </a:lnBlToTr>
+                    <a:noFill/>
+                  </a:tcPr>
+                </a:tc>
+                <a:tc>
+                  <a:txBody>
+                    <a:bodyPr/>
+                    <a:lstStyle/>
+                    <a:p>
+                      <a:pPr marL="0" marR="0" indent="0" algn="ctr" defTabSz="457200" rtl="0" eaLnBrk="1" fontAlgn="auto" latinLnBrk="0" hangingPunct="1">
+                        <a:lnSpc>
+                          <a:spcPct val="100000"/>
+                        </a:lnSpc>
+                        <a:spcBef>
+                          <a:spcPts val="0"/>
+                        </a:spcBef>
+                        <a:spcAft>
+                          <a:spcPts val="0"/>
+                        </a:spcAft>
+                        <a:buClrTx/>
+                        <a:buSzTx/>
+                        <a:buFontTx/>
+                        <a:buNone/>
+                        <a:tabLst/>
+                        <a:defRPr sz="1000">
+                          <a:solidFill>
+                            <a:srgbClr val="0B0B0B"/>
+                          </a:solidFill>
+                          <a:latin typeface="Arial"/>
+                        </a:defRPr>
+                      </a:pPr>
+                      <a:r>
+                        <a:t>0.00</a:t>
+                      </a:r>
+                      <a:endParaRPr lang="es-MX" sz="1400" kern="1200" dirty="0">
+                        <a:solidFill>
+                          <a:schemeClr val="tx1">
+                            <a:lumMod val="65000"/>
+                            <a:lumOff val="35000"/>
+                          </a:schemeClr>
+                        </a:solidFill>
+                        <a:latin typeface="Arial Narrow" panose="020B0606020202030204" pitchFamily="34" charset="0"/>
+                        <a:ea typeface="+mn-ea"/>
+                        <a:cs typeface="+mn-cs"/>
+                      </a:endParaRPr>
+                    </a:p>
+                  </a:txBody>
+                  <a:tcPr marL="9525" marR="9525" marT="9525" marB="0" anchor="ctr">
+                    <a:lnL w="38100" cap="flat" cmpd="sng" algn="ctr">
+                      <a:solidFill>
+                        <a:schemeClr val="bg1"/>
+                      </a:solidFill>
+                      <a:prstDash val="solid"/>
+                      <a:round/>
+                      <a:headEnd type="none" w="med" len="med"/>
+                      <a:tailEnd type="none" w="med" len="med"/>
+                    </a:lnL>
                     <a:lnR w="6350" cap="flat" cmpd="sng" algn="ctr">
                       <a:noFill/>
                       <a:prstDash val="solid"/>
@@ -4292,6 +4565,14 @@
                     <a:bodyPr/>
                     <a:lstStyle/>
                     <a:p>
+                      <a:pPr>
+                        <a:defRPr sz="1200">
+                          <a:solidFill>
+                            <a:srgbClr val="FF7F50"/>
+                          </a:solidFill>
+                          <a:latin typeface="Arial"/>
+                        </a:defRPr>
+                      </a:pPr>
                       <a:r>
                         <a:t>2014</a:t>
                       </a:r>
@@ -4488,6 +4769,101 @@
                       <a:headEnd type="none" w="med" len="med"/>
                       <a:tailEnd type="none" w="med" len="med"/>
                     </a:lnL>
+                    <a:lnR w="38100" cap="flat" cmpd="sng" algn="ctr">
+                      <a:solidFill>
+                        <a:schemeClr val="bg1"/>
+                      </a:solidFill>
+                      <a:prstDash val="solid"/>
+                      <a:round/>
+                      <a:headEnd type="none" w="med" len="med"/>
+                      <a:tailEnd type="none" w="med" len="med"/>
+                    </a:lnR>
+                    <a:lnT w="6350" cap="flat" cmpd="sng" algn="ctr">
+                      <a:solidFill>
+                        <a:schemeClr val="bg1">
+                          <a:lumMod val="75000"/>
+                        </a:schemeClr>
+                      </a:solidFill>
+                      <a:prstDash val="solid"/>
+                      <a:round/>
+                      <a:headEnd type="none" w="med" len="med"/>
+                      <a:tailEnd type="none" w="med" len="med"/>
+                    </a:lnT>
+                    <a:lnB w="6350" cap="flat" cmpd="sng" algn="ctr">
+                      <a:solidFill>
+                        <a:schemeClr val="bg1">
+                          <a:lumMod val="75000"/>
+                        </a:schemeClr>
+                      </a:solidFill>
+                      <a:prstDash val="solid"/>
+                      <a:round/>
+                      <a:headEnd type="none" w="med" len="med"/>
+                      <a:tailEnd type="none" w="med" len="med"/>
+                    </a:lnB>
+                    <a:lnTlToBr w="12700" cmpd="sng">
+                      <a:noFill/>
+                      <a:prstDash val="solid"/>
+                    </a:lnTlToBr>
+                    <a:lnBlToTr w="12700" cmpd="sng">
+                      <a:noFill/>
+                      <a:prstDash val="solid"/>
+                    </a:lnBlToTr>
+                    <a:noFill/>
+                  </a:tcPr>
+                </a:tc>
+                <a:tc>
+                  <a:txBody>
+                    <a:bodyPr/>
+                    <a:lstStyle/>
+                    <a:p>
+                      <a:pPr marL="0" marR="0" indent="0" algn="ctr" defTabSz="457200" rtl="0" eaLnBrk="1" fontAlgn="auto" latinLnBrk="0" hangingPunct="1">
+                        <a:lnSpc>
+                          <a:spcPct val="100000"/>
+                        </a:lnSpc>
+                        <a:spcBef>
+                          <a:spcPts val="0"/>
+                        </a:spcBef>
+                        <a:spcAft>
+                          <a:spcPts val="0"/>
+                        </a:spcAft>
+                        <a:buClrTx/>
+                        <a:buSzTx/>
+                        <a:buFontTx/>
+                        <a:buNone/>
+                        <a:tabLst/>
+                        <a:defRPr sz="1000">
+                          <a:solidFill>
+                            <a:srgbClr val="0B0B0B"/>
+                          </a:solidFill>
+                          <a:latin typeface="Arial"/>
+                        </a:defRPr>
+                      </a:pPr>
+                      <a:r>
+                        <a:t>100.00</a:t>
+                      </a:r>
+                      <a:endParaRPr lang="es-MX" sz="1400" kern="1200" dirty="0">
+                        <a:solidFill>
+                          <a:schemeClr val="tx1">
+                            <a:lumMod val="65000"/>
+                            <a:lumOff val="35000"/>
+                          </a:schemeClr>
+                        </a:solidFill>
+                        <a:latin typeface="Arial Narrow" panose="020B0606020202030204" pitchFamily="34" charset="0"/>
+                        <a:ea typeface="+mn-ea"/>
+                        <a:cs typeface="+mn-cs"/>
+                      </a:endParaRPr>
+                    </a:p>
+                  </a:txBody>
+                  <a:tcPr marL="9525" marR="9525" marT="9525" marB="0" anchor="ctr">
+                    <a:lnL w="38100" cap="flat" cmpd="sng" algn="ctr">
+                      <a:solidFill>
+                        <a:schemeClr val="bg1"/>
+                      </a:solidFill>
+                      <a:prstDash val="solid"/>
+                      <a:round/>
+                      <a:headEnd type="none" w="med" len="med"/>
+                      <a:tailEnd type="none" w="med" len="med"/>
+                    </a:lnL>
                     <a:lnR w="6350" cap="flat" cmpd="sng" algn="ctr">
                       <a:noFill/>
                       <a:prstDash val="solid"/>
@@ -4535,6 +4911,14 @@
                     <a:bodyPr/>
                     <a:lstStyle/>
                     <a:p>
+                      <a:pPr>
+                        <a:defRPr sz="1200">
+                          <a:solidFill>
+                            <a:srgbClr val="FF7F50"/>
+                          </a:solidFill>
+                          <a:latin typeface="Arial"/>
+                        </a:defRPr>
+                      </a:pPr>
                       <a:r>
                         <a:t>2015</a:t>
                       </a:r>
@@ -4731,6 +5115,101 @@
                       <a:headEnd type="none" w="med" len="med"/>
                       <a:tailEnd type="none" w="med" len="med"/>
                     </a:lnL>
+                    <a:lnR w="38100" cap="flat" cmpd="sng" algn="ctr">
+                      <a:solidFill>
+                        <a:schemeClr val="bg1"/>
+                      </a:solidFill>
+                      <a:prstDash val="solid"/>
+                      <a:round/>
+                      <a:headEnd type="none" w="med" len="med"/>
+                      <a:tailEnd type="none" w="med" len="med"/>
+                    </a:lnR>
+                    <a:lnT w="6350" cap="flat" cmpd="sng" algn="ctr">
+                      <a:solidFill>
+                        <a:schemeClr val="bg1">
+                          <a:lumMod val="75000"/>
+                        </a:schemeClr>
+                      </a:solidFill>
+                      <a:prstDash val="solid"/>
+                      <a:round/>
+                      <a:headEnd type="none" w="med" len="med"/>
+                      <a:tailEnd type="none" w="med" len="med"/>
+                    </a:lnT>
+                    <a:lnB w="6350" cap="flat" cmpd="sng" algn="ctr">
+                      <a:solidFill>
+                        <a:schemeClr val="bg1">
+                          <a:lumMod val="75000"/>
+                        </a:schemeClr>
+                      </a:solidFill>
+                      <a:prstDash val="solid"/>
+                      <a:round/>
+                      <a:headEnd type="none" w="med" len="med"/>
+                      <a:tailEnd type="none" w="med" len="med"/>
+                    </a:lnB>
+                    <a:lnTlToBr w="12700" cmpd="sng">
+                      <a:noFill/>
+                      <a:prstDash val="solid"/>
+                    </a:lnTlToBr>
+                    <a:lnBlToTr w="12700" cmpd="sng">
+                      <a:noFill/>
+                      <a:prstDash val="solid"/>
+                    </a:lnBlToTr>
+                    <a:noFill/>
+                  </a:tcPr>
+                </a:tc>
+                <a:tc>
+                  <a:txBody>
+                    <a:bodyPr/>
+                    <a:lstStyle/>
+                    <a:p>
+                      <a:pPr marL="0" marR="0" indent="0" algn="ctr" defTabSz="457200" rtl="0" eaLnBrk="1" fontAlgn="auto" latinLnBrk="0" hangingPunct="1">
+                        <a:lnSpc>
+                          <a:spcPct val="100000"/>
+                        </a:lnSpc>
+                        <a:spcBef>
+                          <a:spcPts val="0"/>
+                        </a:spcBef>
+                        <a:spcAft>
+                          <a:spcPts val="0"/>
+                        </a:spcAft>
+                        <a:buClrTx/>
+                        <a:buSzTx/>
+                        <a:buFontTx/>
+                        <a:buNone/>
+                        <a:tabLst/>
+                        <a:defRPr sz="1000">
+                          <a:solidFill>
+                            <a:srgbClr val="0B0B0B"/>
+                          </a:solidFill>
+                          <a:latin typeface="Arial"/>
+                        </a:defRPr>
+                      </a:pPr>
+                      <a:r>
+                        <a:t>100.00</a:t>
+                      </a:r>
+                      <a:endParaRPr lang="es-MX" sz="1400" kern="1200" dirty="0">
+                        <a:solidFill>
+                          <a:schemeClr val="tx1">
+                            <a:lumMod val="65000"/>
+                            <a:lumOff val="35000"/>
+                          </a:schemeClr>
+                        </a:solidFill>
+                        <a:latin typeface="Arial Narrow" panose="020B0606020202030204" pitchFamily="34" charset="0"/>
+                        <a:ea typeface="+mn-ea"/>
+                        <a:cs typeface="+mn-cs"/>
+                      </a:endParaRPr>
+                    </a:p>
+                  </a:txBody>
+                  <a:tcPr marL="9525" marR="9525" marT="9525" marB="0" anchor="ctr">
+                    <a:lnL w="38100" cap="flat" cmpd="sng" algn="ctr">
+                      <a:solidFill>
+                        <a:schemeClr val="bg1"/>
+                      </a:solidFill>
+                      <a:prstDash val="solid"/>
+                      <a:round/>
+                      <a:headEnd type="none" w="med" len="med"/>
+                      <a:tailEnd type="none" w="med" len="med"/>
+                    </a:lnL>
                     <a:lnR w="6350" cap="flat" cmpd="sng" algn="ctr">
                       <a:noFill/>
                       <a:prstDash val="solid"/>
@@ -4778,6 +5257,14 @@
                     <a:bodyPr/>
                     <a:lstStyle/>
                     <a:p>
+                      <a:pPr>
+                        <a:defRPr sz="1200">
+                          <a:solidFill>
+                            <a:srgbClr val="FF7F50"/>
+                          </a:solidFill>
+                          <a:latin typeface="Arial"/>
+                        </a:defRPr>
+                      </a:pPr>
                       <a:r>
                         <a:t>2016</a:t>
                       </a:r>
@@ -4974,6 +5461,101 @@
                       <a:headEnd type="none" w="med" len="med"/>
                       <a:tailEnd type="none" w="med" len="med"/>
                     </a:lnL>
+                    <a:lnR w="38100" cap="flat" cmpd="sng" algn="ctr">
+                      <a:solidFill>
+                        <a:schemeClr val="bg1"/>
+                      </a:solidFill>
+                      <a:prstDash val="solid"/>
+                      <a:round/>
+                      <a:headEnd type="none" w="med" len="med"/>
+                      <a:tailEnd type="none" w="med" len="med"/>
+                    </a:lnR>
+                    <a:lnT w="6350" cap="flat" cmpd="sng" algn="ctr">
+                      <a:solidFill>
+                        <a:schemeClr val="bg1">
+                          <a:lumMod val="75000"/>
+                        </a:schemeClr>
+                      </a:solidFill>
+                      <a:prstDash val="solid"/>
+                      <a:round/>
+                      <a:headEnd type="none" w="med" len="med"/>
+                      <a:tailEnd type="none" w="med" len="med"/>
+                    </a:lnT>
+                    <a:lnB w="6350" cap="flat" cmpd="sng" algn="ctr">
+                      <a:solidFill>
+                        <a:schemeClr val="bg1">
+                          <a:lumMod val="75000"/>
+                        </a:schemeClr>
+                      </a:solidFill>
+                      <a:prstDash val="solid"/>
+                      <a:round/>
+                      <a:headEnd type="none" w="med" len="med"/>
+                      <a:tailEnd type="none" w="med" len="med"/>
+                    </a:lnB>
+                    <a:lnTlToBr w="12700" cmpd="sng">
+                      <a:noFill/>
+                      <a:prstDash val="solid"/>
+                    </a:lnTlToBr>
+                    <a:lnBlToTr w="12700" cmpd="sng">
+                      <a:noFill/>
+                      <a:prstDash val="solid"/>
+                    </a:lnBlToTr>
+                    <a:noFill/>
+                  </a:tcPr>
+                </a:tc>
+                <a:tc>
+                  <a:txBody>
+                    <a:bodyPr/>
+                    <a:lstStyle/>
+                    <a:p>
+                      <a:pPr marL="0" marR="0" indent="0" algn="ctr" defTabSz="457200" rtl="0" eaLnBrk="1" fontAlgn="auto" latinLnBrk="0" hangingPunct="1">
+                        <a:lnSpc>
+                          <a:spcPct val="100000"/>
+                        </a:lnSpc>
+                        <a:spcBef>
+                          <a:spcPts val="0"/>
+                        </a:spcBef>
+                        <a:spcAft>
+                          <a:spcPts val="0"/>
+                        </a:spcAft>
+                        <a:buClrTx/>
+                        <a:buSzTx/>
+                        <a:buFontTx/>
+                        <a:buNone/>
+                        <a:tabLst/>
+                        <a:defRPr sz="1000">
+                          <a:solidFill>
+                            <a:srgbClr val="0B0B0B"/>
+                          </a:solidFill>
+                          <a:latin typeface="Arial"/>
+                        </a:defRPr>
+                      </a:pPr>
+                      <a:r>
+                        <a:t>0.54</a:t>
+                      </a:r>
+                      <a:endParaRPr lang="es-MX" sz="1400" kern="1200" dirty="0">
+                        <a:solidFill>
+                          <a:schemeClr val="tx1">
+                            <a:lumMod val="65000"/>
+                            <a:lumOff val="35000"/>
+                          </a:schemeClr>
+                        </a:solidFill>
+                        <a:latin typeface="Arial Narrow" panose="020B0606020202030204" pitchFamily="34" charset="0"/>
+                        <a:ea typeface="+mn-ea"/>
+                        <a:cs typeface="+mn-cs"/>
+                      </a:endParaRPr>
+                    </a:p>
+                  </a:txBody>
+                  <a:tcPr marL="9525" marR="9525" marT="9525" marB="0" anchor="ctr">
+                    <a:lnL w="38100" cap="flat" cmpd="sng" algn="ctr">
+                      <a:solidFill>
+                        <a:schemeClr val="bg1"/>
+                      </a:solidFill>
+                      <a:prstDash val="solid"/>
+                      <a:round/>
+                      <a:headEnd type="none" w="med" len="med"/>
+                      <a:tailEnd type="none" w="med" len="med"/>
+                    </a:lnL>
                     <a:lnR w="6350" cap="flat" cmpd="sng" algn="ctr">
                       <a:noFill/>
                       <a:prstDash val="solid"/>
@@ -5021,6 +5603,14 @@
                     <a:bodyPr/>
                     <a:lstStyle/>
                     <a:p>
+                      <a:pPr>
+                        <a:defRPr sz="1200">
+                          <a:solidFill>
+                            <a:srgbClr val="FF7F50"/>
+                          </a:solidFill>
+                          <a:latin typeface="Arial"/>
+                        </a:defRPr>
+                      </a:pPr>
                       <a:r>
                         <a:t>2017</a:t>
                       </a:r>
@@ -5217,6 +5807,101 @@
                       <a:headEnd type="none" w="med" len="med"/>
                       <a:tailEnd type="none" w="med" len="med"/>
                     </a:lnL>
+                    <a:lnR w="38100" cap="flat" cmpd="sng" algn="ctr">
+                      <a:solidFill>
+                        <a:schemeClr val="bg1"/>
+                      </a:solidFill>
+                      <a:prstDash val="solid"/>
+                      <a:round/>
+                      <a:headEnd type="none" w="med" len="med"/>
+                      <a:tailEnd type="none" w="med" len="med"/>
+                    </a:lnR>
+                    <a:lnT w="6350" cap="flat" cmpd="sng" algn="ctr">
+                      <a:solidFill>
+                        <a:schemeClr val="bg1">
+                          <a:lumMod val="75000"/>
+                        </a:schemeClr>
+                      </a:solidFill>
+                      <a:prstDash val="solid"/>
+                      <a:round/>
+                      <a:headEnd type="none" w="med" len="med"/>
+                      <a:tailEnd type="none" w="med" len="med"/>
+                    </a:lnT>
+                    <a:lnB w="6350" cap="flat" cmpd="sng" algn="ctr">
+                      <a:solidFill>
+                        <a:schemeClr val="bg1">
+                          <a:lumMod val="75000"/>
+                        </a:schemeClr>
+                      </a:solidFill>
+                      <a:prstDash val="solid"/>
+                      <a:round/>
+                      <a:headEnd type="none" w="med" len="med"/>
+                      <a:tailEnd type="none" w="med" len="med"/>
+                    </a:lnB>
+                    <a:lnTlToBr w="12700" cmpd="sng">
+                      <a:noFill/>
+                      <a:prstDash val="solid"/>
+                    </a:lnTlToBr>
+                    <a:lnBlToTr w="12700" cmpd="sng">
+                      <a:noFill/>
+                      <a:prstDash val="solid"/>
+                    </a:lnBlToTr>
+                    <a:noFill/>
+                  </a:tcPr>
+                </a:tc>
+                <a:tc>
+                  <a:txBody>
+                    <a:bodyPr/>
+                    <a:lstStyle/>
+                    <a:p>
+                      <a:pPr marL="0" marR="0" indent="0" algn="ctr" defTabSz="457200" rtl="0" eaLnBrk="1" fontAlgn="auto" latinLnBrk="0" hangingPunct="1">
+                        <a:lnSpc>
+                          <a:spcPct val="100000"/>
+                        </a:lnSpc>
+                        <a:spcBef>
+                          <a:spcPts val="0"/>
+                        </a:spcBef>
+                        <a:spcAft>
+                          <a:spcPts val="0"/>
+                        </a:spcAft>
+                        <a:buClrTx/>
+                        <a:buSzTx/>
+                        <a:buFontTx/>
+                        <a:buNone/>
+                        <a:tabLst/>
+                        <a:defRPr sz="1000">
+                          <a:solidFill>
+                            <a:srgbClr val="0B0B0B"/>
+                          </a:solidFill>
+                          <a:latin typeface="Arial"/>
+                        </a:defRPr>
+                      </a:pPr>
+                      <a:r>
+                        <a:t>0.00</a:t>
+                      </a:r>
+                      <a:endParaRPr lang="es-MX" sz="1400" kern="1200" dirty="0">
+                        <a:solidFill>
+                          <a:schemeClr val="tx1">
+                            <a:lumMod val="65000"/>
+                            <a:lumOff val="35000"/>
+                          </a:schemeClr>
+                        </a:solidFill>
+                        <a:latin typeface="Arial Narrow" panose="020B0606020202030204" pitchFamily="34" charset="0"/>
+                        <a:ea typeface="+mn-ea"/>
+                        <a:cs typeface="+mn-cs"/>
+                      </a:endParaRPr>
+                    </a:p>
+                  </a:txBody>
+                  <a:tcPr marL="9525" marR="9525" marT="9525" marB="0" anchor="ctr">
+                    <a:lnL w="38100" cap="flat" cmpd="sng" algn="ctr">
+                      <a:solidFill>
+                        <a:schemeClr val="bg1"/>
+                      </a:solidFill>
+                      <a:prstDash val="solid"/>
+                      <a:round/>
+                      <a:headEnd type="none" w="med" len="med"/>
+                      <a:tailEnd type="none" w="med" len="med"/>
+                    </a:lnL>
                     <a:lnR w="6350" cap="flat" cmpd="sng" algn="ctr">
                       <a:noFill/>
                       <a:prstDash val="solid"/>
@@ -5264,6 +5949,14 @@
                     <a:bodyPr/>
                     <a:lstStyle/>
                     <a:p>
+                      <a:pPr>
+                        <a:defRPr sz="1200">
+                          <a:solidFill>
+                            <a:srgbClr val="FF7F50"/>
+                          </a:solidFill>
+                          <a:latin typeface="Arial"/>
+                        </a:defRPr>
+                      </a:pPr>
                       <a:r>
                         <a:t>2018</a:t>
                       </a:r>
@@ -5460,6 +6153,101 @@
                       <a:headEnd type="none" w="med" len="med"/>
                       <a:tailEnd type="none" w="med" len="med"/>
                     </a:lnL>
+                    <a:lnR w="38100" cap="flat" cmpd="sng" algn="ctr">
+                      <a:solidFill>
+                        <a:schemeClr val="bg1"/>
+                      </a:solidFill>
+                      <a:prstDash val="solid"/>
+                      <a:round/>
+                      <a:headEnd type="none" w="med" len="med"/>
+                      <a:tailEnd type="none" w="med" len="med"/>
+                    </a:lnR>
+                    <a:lnT w="6350" cap="flat" cmpd="sng" algn="ctr">
+                      <a:solidFill>
+                        <a:schemeClr val="bg1">
+                          <a:lumMod val="75000"/>
+                        </a:schemeClr>
+                      </a:solidFill>
+                      <a:prstDash val="solid"/>
+                      <a:round/>
+                      <a:headEnd type="none" w="med" len="med"/>
+                      <a:tailEnd type="none" w="med" len="med"/>
+                    </a:lnT>
+                    <a:lnB w="6350" cap="flat" cmpd="sng" algn="ctr">
+                      <a:solidFill>
+                        <a:schemeClr val="bg1">
+                          <a:lumMod val="75000"/>
+                        </a:schemeClr>
+                      </a:solidFill>
+                      <a:prstDash val="solid"/>
+                      <a:round/>
+                      <a:headEnd type="none" w="med" len="med"/>
+                      <a:tailEnd type="none" w="med" len="med"/>
+                    </a:lnB>
+                    <a:lnTlToBr w="12700" cmpd="sng">
+                      <a:noFill/>
+                      <a:prstDash val="solid"/>
+                    </a:lnTlToBr>
+                    <a:lnBlToTr w="12700" cmpd="sng">
+                      <a:noFill/>
+                      <a:prstDash val="solid"/>
+                    </a:lnBlToTr>
+                    <a:noFill/>
+                  </a:tcPr>
+                </a:tc>
+                <a:tc>
+                  <a:txBody>
+                    <a:bodyPr/>
+                    <a:lstStyle/>
+                    <a:p>
+                      <a:pPr marL="0" marR="0" indent="0" algn="ctr" defTabSz="457200" rtl="0" eaLnBrk="1" fontAlgn="auto" latinLnBrk="0" hangingPunct="1">
+                        <a:lnSpc>
+                          <a:spcPct val="100000"/>
+                        </a:lnSpc>
+                        <a:spcBef>
+                          <a:spcPts val="0"/>
+                        </a:spcBef>
+                        <a:spcAft>
+                          <a:spcPts val="0"/>
+                        </a:spcAft>
+                        <a:buClrTx/>
+                        <a:buSzTx/>
+                        <a:buFontTx/>
+                        <a:buNone/>
+                        <a:tabLst/>
+                        <a:defRPr sz="1000">
+                          <a:solidFill>
+                            <a:srgbClr val="0B0B0B"/>
+                          </a:solidFill>
+                          <a:latin typeface="Arial"/>
+                        </a:defRPr>
+                      </a:pPr>
+                      <a:r>
+                        <a:t>0.00</a:t>
+                      </a:r>
+                      <a:endParaRPr lang="es-MX" sz="1400" kern="1200" dirty="0">
+                        <a:solidFill>
+                          <a:schemeClr val="tx1">
+                            <a:lumMod val="65000"/>
+                            <a:lumOff val="35000"/>
+                          </a:schemeClr>
+                        </a:solidFill>
+                        <a:latin typeface="Arial Narrow" panose="020B0606020202030204" pitchFamily="34" charset="0"/>
+                        <a:ea typeface="+mn-ea"/>
+                        <a:cs typeface="+mn-cs"/>
+                      </a:endParaRPr>
+                    </a:p>
+                  </a:txBody>
+                  <a:tcPr marL="9525" marR="9525" marT="9525" marB="0" anchor="ctr">
+                    <a:lnL w="38100" cap="flat" cmpd="sng" algn="ctr">
+                      <a:solidFill>
+                        <a:schemeClr val="bg1"/>
+                      </a:solidFill>
+                      <a:prstDash val="solid"/>
+                      <a:round/>
+                      <a:headEnd type="none" w="med" len="med"/>
+                      <a:tailEnd type="none" w="med" len="med"/>
+                    </a:lnL>
                     <a:lnR w="6350" cap="flat" cmpd="sng" algn="ctr">
                       <a:noFill/>
                       <a:prstDash val="solid"/>
@@ -5670,6 +6458,95 @@
                       <a:r>
                         <a:t>17,164,205.67</a:t>
                       </a:r>
+                      <a:endParaRPr lang="es-MX" sz="1400" kern="1200" dirty="0">
+                        <a:solidFill>
+                          <a:schemeClr val="tx1">
+                            <a:lumMod val="65000"/>
+                            <a:lumOff val="35000"/>
+                          </a:schemeClr>
+                        </a:solidFill>
+                        <a:latin typeface="Arial Narrow" panose="020B0606020202030204" pitchFamily="34" charset="0"/>
+                        <a:ea typeface="+mn-ea"/>
+                        <a:cs typeface="+mn-cs"/>
+                      </a:endParaRPr>
+                    </a:p>
+                  </a:txBody>
+                  <a:tcPr marL="9525" marR="9525" marT="9525" marB="0" anchor="ctr">
+                    <a:lnL w="38100" cap="flat" cmpd="sng" algn="ctr">
+                      <a:solidFill>
+                        <a:schemeClr val="bg1"/>
+                      </a:solidFill>
+                      <a:prstDash val="solid"/>
+                      <a:round/>
+                      <a:headEnd type="none" w="med" len="med"/>
+                      <a:tailEnd type="none" w="med" len="med"/>
+                    </a:lnL>
+                    <a:lnR w="38100" cap="flat" cmpd="sng" algn="ctr">
+                      <a:solidFill>
+                        <a:schemeClr val="bg1"/>
+                      </a:solidFill>
+                      <a:prstDash val="solid"/>
+                      <a:round/>
+                      <a:headEnd type="none" w="med" len="med"/>
+                      <a:tailEnd type="none" w="med" len="med"/>
+                    </a:lnR>
+                    <a:lnT w="6350" cap="flat" cmpd="sng" algn="ctr">
+                      <a:solidFill>
+                        <a:schemeClr val="bg1">
+                          <a:lumMod val="75000"/>
+                        </a:schemeClr>
+                      </a:solidFill>
+                      <a:prstDash val="solid"/>
+                      <a:round/>
+                      <a:headEnd type="none" w="med" len="med"/>
+                      <a:tailEnd type="none" w="med" len="med"/>
+                    </a:lnT>
+                    <a:lnB w="38100" cap="flat" cmpd="sng" algn="ctr">
+                      <a:solidFill>
+                        <a:schemeClr val="bg1"/>
+                      </a:solidFill>
+                      <a:prstDash val="solid"/>
+                      <a:round/>
+                      <a:headEnd type="none" w="med" len="med"/>
+                      <a:tailEnd type="none" w="med" len="med"/>
+                    </a:lnB>
+                    <a:lnTlToBr w="12700" cmpd="sng">
+                      <a:noFill/>
+                      <a:prstDash val="solid"/>
+                    </a:lnTlToBr>
+                    <a:lnBlToTr w="12700" cmpd="sng">
+                      <a:noFill/>
+                      <a:prstDash val="solid"/>
+                    </a:lnBlToTr>
+                    <a:solidFill>
+                      <a:schemeClr val="bg1">
+                        <a:lumMod val="85000"/>
+                      </a:schemeClr>
+                    </a:solidFill>
+                  </a:tcPr>
+                </a:tc>
+                <a:tc>
+                  <a:txBody>
+                    <a:bodyPr/>
+                    <a:lstStyle/>
+                    <a:p>
+                      <a:pPr marL="0" marR="0" indent="0" algn="ctr" defTabSz="457200" rtl="0" eaLnBrk="1" fontAlgn="auto" latinLnBrk="0" hangingPunct="1">
+                        <a:lnSpc>
+                          <a:spcPct val="100000"/>
+                        </a:lnSpc>
+                        <a:spcBef>
+                          <a:spcPts val="0"/>
+                        </a:spcBef>
+                        <a:spcAft>
+                          <a:spcPts val="0"/>
+                        </a:spcAft>
+                        <a:buClrTx/>
+                        <a:buSzTx/>
+                        <a:buFontTx/>
+                        <a:buNone/>
+                        <a:tabLst/>
+                        <a:defRPr/>
+                      </a:pPr>
                       <a:endParaRPr lang="es-MX" sz="1400" kern="1200" dirty="0">
                         <a:solidFill>
                           <a:schemeClr val="tx1">
@@ -5829,20 +6706,7 @@
                 <a:ea typeface="Calibri"/>
                 <a:cs typeface="Times New Roman"/>
               </a:rPr>
-              <a:t>Avances y </a:t>
-            </a:r>
-            <a:r>
-              <a:rPr lang="es-MX" dirty="0" smtClean="0">
-                <a:solidFill>
-                  <a:schemeClr val="accent6">
-                    <a:lumMod val="50000"/>
-                  </a:schemeClr>
-                </a:solidFill>
-                <a:latin typeface="Arial Narrow" panose="020B0606020202030204" pitchFamily="34" charset="0"/>
-                <a:ea typeface="Calibri"/>
-                <a:cs typeface="Times New Roman"/>
-              </a:rPr>
-              <a:t>Metas por Año</a:t>
+              <a:t>Avances y Metas por Año</a:t>
             </a:r>
             <a:endParaRPr lang="es-MX" sz="1200" dirty="0">
               <a:solidFill>
@@ -5937,17 +6801,7 @@
                   </a:schemeClr>
                 </a:solidFill>
               </a:rPr>
-              <a:t>Balance </a:t>
-            </a:r>
-            <a:r>
-              <a:rPr lang="es-MX" sz="2800" dirty="0" smtClean="0">
-                <a:solidFill>
-                  <a:schemeClr val="accent2">
-                    <a:lumMod val="75000"/>
-                  </a:schemeClr>
-                </a:solidFill>
-              </a:rPr>
-              <a:t>Por Año</a:t>
+              <a:t>Balance Por Año</a:t>
             </a:r>
             <a:endParaRPr lang="es-MX" sz="2800" dirty="0">
               <a:solidFill>
